--- a/Docs/ProjectOverview.pptx
+++ b/Docs/ProjectOverview.pptx
@@ -7,6 +7,10 @@
   <p:sldIdLst>
     <p:sldId id="256" r:id="rId2"/>
     <p:sldId id="257" r:id="rId3"/>
+    <p:sldId id="258" r:id="rId4"/>
+    <p:sldId id="259" r:id="rId5"/>
+    <p:sldId id="260" r:id="rId6"/>
+    <p:sldId id="261" r:id="rId7"/>
   </p:sldIdLst>
   <p:sldSz cx="12192000" cy="6858000"/>
   <p:notesSz cx="6858000" cy="9144000"/>
@@ -105,6 +109,11 @@
       </a:defRPr>
     </a:lvl9pPr>
   </p:defaultTextStyle>
+  <p:extLst>
+    <p:ext uri="{EFAFB233-063F-42B5-8137-9DF3F51BA10A}">
+      <p15:sldGuideLst xmlns:p15="http://schemas.microsoft.com/office/powerpoint/2012/main"/>
+    </p:ext>
+  </p:extLst>
 </p:presentation>
 </file>
 
@@ -294,7 +303,7 @@
           <a:p>
             <a:fld id="{A4F4CDE9-4EC7-42D1-8A2C-6753C5977052}" type="datetimeFigureOut">
               <a:rPr lang="pl-PL" smtClean="0"/>
-              <a:t>20.04.2018</a:t>
+              <a:t>21.04.2018</a:t>
             </a:fld>
             <a:endParaRPr lang="pl-PL"/>
           </a:p>
@@ -569,7 +578,7 @@
           <a:p>
             <a:fld id="{A4F4CDE9-4EC7-42D1-8A2C-6753C5977052}" type="datetimeFigureOut">
               <a:rPr lang="pl-PL" smtClean="0"/>
-              <a:t>20.04.2018</a:t>
+              <a:t>21.04.2018</a:t>
             </a:fld>
             <a:endParaRPr lang="pl-PL"/>
           </a:p>
@@ -763,7 +772,7 @@
           <a:p>
             <a:fld id="{A4F4CDE9-4EC7-42D1-8A2C-6753C5977052}" type="datetimeFigureOut">
               <a:rPr lang="pl-PL" smtClean="0"/>
-              <a:t>20.04.2018</a:t>
+              <a:t>21.04.2018</a:t>
             </a:fld>
             <a:endParaRPr lang="pl-PL"/>
           </a:p>
@@ -1036,7 +1045,7 @@
           <a:p>
             <a:fld id="{A4F4CDE9-4EC7-42D1-8A2C-6753C5977052}" type="datetimeFigureOut">
               <a:rPr lang="pl-PL" smtClean="0"/>
-              <a:t>20.04.2018</a:t>
+              <a:t>21.04.2018</a:t>
             </a:fld>
             <a:endParaRPr lang="pl-PL"/>
           </a:p>
@@ -1377,7 +1386,7 @@
           <a:p>
             <a:fld id="{A4F4CDE9-4EC7-42D1-8A2C-6753C5977052}" type="datetimeFigureOut">
               <a:rPr lang="pl-PL" smtClean="0"/>
-              <a:t>20.04.2018</a:t>
+              <a:t>21.04.2018</a:t>
             </a:fld>
             <a:endParaRPr lang="pl-PL"/>
           </a:p>
@@ -2000,7 +2009,7 @@
           <a:p>
             <a:fld id="{A4F4CDE9-4EC7-42D1-8A2C-6753C5977052}" type="datetimeFigureOut">
               <a:rPr lang="pl-PL" smtClean="0"/>
-              <a:t>20.04.2018</a:t>
+              <a:t>21.04.2018</a:t>
             </a:fld>
             <a:endParaRPr lang="pl-PL"/>
           </a:p>
@@ -2860,7 +2869,7 @@
           <a:p>
             <a:fld id="{A4F4CDE9-4EC7-42D1-8A2C-6753C5977052}" type="datetimeFigureOut">
               <a:rPr lang="pl-PL" smtClean="0"/>
-              <a:t>20.04.2018</a:t>
+              <a:t>21.04.2018</a:t>
             </a:fld>
             <a:endParaRPr lang="pl-PL"/>
           </a:p>
@@ -3030,7 +3039,7 @@
           <a:p>
             <a:fld id="{A4F4CDE9-4EC7-42D1-8A2C-6753C5977052}" type="datetimeFigureOut">
               <a:rPr lang="pl-PL" smtClean="0"/>
-              <a:t>20.04.2018</a:t>
+              <a:t>21.04.2018</a:t>
             </a:fld>
             <a:endParaRPr lang="pl-PL"/>
           </a:p>
@@ -3210,7 +3219,7 @@
           <a:p>
             <a:fld id="{A4F4CDE9-4EC7-42D1-8A2C-6753C5977052}" type="datetimeFigureOut">
               <a:rPr lang="pl-PL" smtClean="0"/>
-              <a:t>20.04.2018</a:t>
+              <a:t>21.04.2018</a:t>
             </a:fld>
             <a:endParaRPr lang="pl-PL"/>
           </a:p>
@@ -3380,7 +3389,7 @@
           <a:p>
             <a:fld id="{A4F4CDE9-4EC7-42D1-8A2C-6753C5977052}" type="datetimeFigureOut">
               <a:rPr lang="pl-PL" smtClean="0"/>
-              <a:t>20.04.2018</a:t>
+              <a:t>21.04.2018</a:t>
             </a:fld>
             <a:endParaRPr lang="pl-PL"/>
           </a:p>
@@ -3627,7 +3636,7 @@
           <a:p>
             <a:fld id="{A4F4CDE9-4EC7-42D1-8A2C-6753C5977052}" type="datetimeFigureOut">
               <a:rPr lang="pl-PL" smtClean="0"/>
-              <a:t>20.04.2018</a:t>
+              <a:t>21.04.2018</a:t>
             </a:fld>
             <a:endParaRPr lang="pl-PL"/>
           </a:p>
@@ -3919,7 +3928,7 @@
           <a:p>
             <a:fld id="{A4F4CDE9-4EC7-42D1-8A2C-6753C5977052}" type="datetimeFigureOut">
               <a:rPr lang="pl-PL" smtClean="0"/>
-              <a:t>20.04.2018</a:t>
+              <a:t>21.04.2018</a:t>
             </a:fld>
             <a:endParaRPr lang="pl-PL"/>
           </a:p>
@@ -4363,7 +4372,7 @@
           <a:p>
             <a:fld id="{A4F4CDE9-4EC7-42D1-8A2C-6753C5977052}" type="datetimeFigureOut">
               <a:rPr lang="pl-PL" smtClean="0"/>
-              <a:t>20.04.2018</a:t>
+              <a:t>21.04.2018</a:t>
             </a:fld>
             <a:endParaRPr lang="pl-PL"/>
           </a:p>
@@ -4481,7 +4490,7 @@
           <a:p>
             <a:fld id="{A4F4CDE9-4EC7-42D1-8A2C-6753C5977052}" type="datetimeFigureOut">
               <a:rPr lang="pl-PL" smtClean="0"/>
-              <a:t>20.04.2018</a:t>
+              <a:t>21.04.2018</a:t>
             </a:fld>
             <a:endParaRPr lang="pl-PL"/>
           </a:p>
@@ -4576,7 +4585,7 @@
           <a:p>
             <a:fld id="{A4F4CDE9-4EC7-42D1-8A2C-6753C5977052}" type="datetimeFigureOut">
               <a:rPr lang="pl-PL" smtClean="0"/>
-              <a:t>20.04.2018</a:t>
+              <a:t>21.04.2018</a:t>
             </a:fld>
             <a:endParaRPr lang="pl-PL"/>
           </a:p>
@@ -4855,7 +4864,7 @@
           <a:p>
             <a:fld id="{A4F4CDE9-4EC7-42D1-8A2C-6753C5977052}" type="datetimeFigureOut">
               <a:rPr lang="pl-PL" smtClean="0"/>
-              <a:t>20.04.2018</a:t>
+              <a:t>21.04.2018</a:t>
             </a:fld>
             <a:endParaRPr lang="pl-PL"/>
           </a:p>
@@ -5130,7 +5139,7 @@
           <a:p>
             <a:fld id="{A4F4CDE9-4EC7-42D1-8A2C-6753C5977052}" type="datetimeFigureOut">
               <a:rPr lang="pl-PL" smtClean="0"/>
-              <a:t>20.04.2018</a:t>
+              <a:t>21.04.2018</a:t>
             </a:fld>
             <a:endParaRPr lang="pl-PL"/>
           </a:p>
@@ -5559,7 +5568,7 @@
           <a:p>
             <a:fld id="{A4F4CDE9-4EC7-42D1-8A2C-6753C5977052}" type="datetimeFigureOut">
               <a:rPr lang="pl-PL" smtClean="0"/>
-              <a:t>20.04.2018</a:t>
+              <a:t>21.04.2018</a:t>
             </a:fld>
             <a:endParaRPr lang="pl-PL"/>
           </a:p>
@@ -6561,20 +6570,12 @@
             </a:r>
             <a:r>
               <a:rPr lang="pl-PL" dirty="0"/>
-              <a:t> of </a:t>
+              <a:t> of the </a:t>
             </a:r>
             <a:r>
               <a:rPr lang="pl-PL" dirty="0" err="1"/>
               <a:t>water</a:t>
             </a:r>
-            <a:r>
-              <a:rPr lang="pl-PL" dirty="0"/>
-              <a:t> in the </a:t>
-            </a:r>
-            <a:r>
-              <a:rPr lang="pl-PL" dirty="0" err="1"/>
-              <a:t>container</a:t>
-            </a:r>
             <a:endParaRPr lang="pl-PL" dirty="0"/>
           </a:p>
           <a:p>
@@ -6599,13 +6600,8 @@
             </a:r>
             <a:r>
               <a:rPr lang="pl-PL" dirty="0"/>
-              <a:t> of </a:t>
-            </a:r>
-            <a:r>
-              <a:rPr lang="pl-PL" dirty="0" err="1"/>
-              <a:t>feed</a:t>
-            </a:r>
-            <a:endParaRPr lang="pl-PL" dirty="0"/>
+              <a:t> of the food</a:t>
+            </a:r>
           </a:p>
           <a:p>
             <a:pPr marL="0" indent="0">
@@ -6619,7 +6615,120 @@
               <a:rPr lang="pl-PL" dirty="0" err="1"/>
               <a:t>Caring</a:t>
             </a:r>
+            <a:r>
+              <a:rPr lang="pl-PL" dirty="0"/>
+              <a:t> for the </a:t>
+            </a:r>
+            <a:r>
+              <a:rPr lang="pl-PL" dirty="0" err="1"/>
+              <a:t>right</a:t>
+            </a:r>
+            <a:r>
+              <a:rPr lang="pl-PL" dirty="0"/>
+              <a:t> </a:t>
+            </a:r>
+            <a:r>
+              <a:rPr lang="pl-PL" dirty="0" err="1"/>
+              <a:t>temperature</a:t>
+            </a:r>
+            <a:r>
+              <a:rPr lang="pl-PL" dirty="0"/>
+              <a:t> of </a:t>
+            </a:r>
+            <a:r>
+              <a:rPr lang="pl-PL" dirty="0" err="1"/>
+              <a:t>our</a:t>
+            </a:r>
+            <a:r>
+              <a:rPr lang="pl-PL" dirty="0"/>
+              <a:t> pet</a:t>
+            </a:r>
+          </a:p>
+          <a:p>
+            <a:r>
+              <a:rPr lang="pl-PL" dirty="0"/>
+              <a:t>How to do </a:t>
+            </a:r>
+            <a:r>
+              <a:rPr lang="pl-PL" dirty="0" err="1"/>
+              <a:t>it</a:t>
+            </a:r>
+            <a:r>
+              <a:rPr lang="pl-PL" dirty="0"/>
+              <a:t> from the </a:t>
+            </a:r>
+            <a:r>
+              <a:rPr lang="pl-PL" dirty="0" err="1"/>
+              <a:t>engineer’s</a:t>
+            </a:r>
+            <a:r>
+              <a:rPr lang="pl-PL" dirty="0"/>
+              <a:t> point of </a:t>
+            </a:r>
+            <a:r>
+              <a:rPr lang="pl-PL" dirty="0" err="1"/>
+              <a:t>view</a:t>
+            </a:r>
+            <a:r>
+              <a:rPr lang="pl-PL" dirty="0"/>
+              <a:t>?</a:t>
+            </a:r>
+          </a:p>
+          <a:p>
+            <a:pPr marL="0" indent="0">
+              <a:buNone/>
+            </a:pPr>
+            <a:r>
+              <a:rPr lang="pl-PL" dirty="0"/>
+              <a:t>	* </a:t>
+            </a:r>
+            <a:r>
+              <a:rPr lang="pl-PL" dirty="0" err="1"/>
+              <a:t>Electronic</a:t>
+            </a:r>
+            <a:r>
+              <a:rPr lang="pl-PL" dirty="0"/>
+              <a:t> </a:t>
+            </a:r>
+            <a:r>
+              <a:rPr lang="pl-PL" dirty="0" err="1"/>
+              <a:t>board</a:t>
+            </a:r>
             <a:endParaRPr lang="pl-PL" dirty="0"/>
+          </a:p>
+          <a:p>
+            <a:pPr marL="0" indent="0">
+              <a:buNone/>
+            </a:pPr>
+            <a:r>
+              <a:rPr lang="pl-PL" dirty="0"/>
+              <a:t>	* </a:t>
+            </a:r>
+            <a:r>
+              <a:rPr lang="pl-PL" dirty="0" err="1"/>
+              <a:t>Water</a:t>
+            </a:r>
+            <a:r>
+              <a:rPr lang="pl-PL" dirty="0"/>
+              <a:t> pump / </a:t>
+            </a:r>
+            <a:r>
+              <a:rPr lang="pl-PL" dirty="0" err="1"/>
+              <a:t>Stepper</a:t>
+            </a:r>
+            <a:r>
+              <a:rPr lang="pl-PL" dirty="0"/>
+              <a:t> motor</a:t>
+            </a:r>
+          </a:p>
+          <a:p>
+            <a:pPr marL="0" indent="0">
+              <a:buNone/>
+            </a:pPr>
+            <a:r>
+              <a:rPr lang="pl-PL" dirty="0"/>
+              <a:t>	* Fan</a:t>
+            </a:r>
           </a:p>
         </p:txBody>
       </p:sp>
@@ -6627,6 +6736,709 @@
     <p:extLst>
       <p:ext uri="{BB962C8B-B14F-4D97-AF65-F5344CB8AC3E}">
         <p14:creationId xmlns:p14="http://schemas.microsoft.com/office/powerpoint/2010/main" val="2677005211"/>
+      </p:ext>
+    </p:extLst>
+  </p:cSld>
+  <p:clrMapOvr>
+    <a:masterClrMapping/>
+  </p:clrMapOvr>
+</p:sld>
+</file>
+
+<file path=ppt/slides/slide3.xml><?xml version="1.0" encoding="utf-8"?>
+<p:sld xmlns:a="http://schemas.openxmlformats.org/drawingml/2006/main" xmlns:r="http://schemas.openxmlformats.org/officeDocument/2006/relationships" xmlns:p="http://schemas.openxmlformats.org/presentationml/2006/main">
+  <p:cSld>
+    <p:spTree>
+      <p:nvGrpSpPr>
+        <p:cNvPr id="1" name=""/>
+        <p:cNvGrpSpPr/>
+        <p:nvPr/>
+      </p:nvGrpSpPr>
+      <p:grpSpPr>
+        <a:xfrm>
+          <a:off x="0" y="0"/>
+          <a:ext cx="0" cy="0"/>
+          <a:chOff x="0" y="0"/>
+          <a:chExt cx="0" cy="0"/>
+        </a:xfrm>
+      </p:grpSpPr>
+      <p:sp>
+        <p:nvSpPr>
+          <p:cNvPr id="2" name="Title 1">
+            <a:extLst>
+              <a:ext uri="{FF2B5EF4-FFF2-40B4-BE49-F238E27FC236}">
+                <a16:creationId xmlns:a16="http://schemas.microsoft.com/office/drawing/2014/main" id="{92E56991-6015-48B6-9F18-1BC3A3F089C8}"/>
+              </a:ext>
+            </a:extLst>
+          </p:cNvPr>
+          <p:cNvSpPr>
+            <a:spLocks noGrp="1"/>
+          </p:cNvSpPr>
+          <p:nvPr>
+            <p:ph type="title"/>
+          </p:nvPr>
+        </p:nvSpPr>
+        <p:spPr/>
+        <p:txBody>
+          <a:bodyPr/>
+          <a:lstStyle/>
+          <a:p>
+            <a:r>
+              <a:rPr lang="pl-PL" dirty="0" err="1"/>
+              <a:t>Specification</a:t>
+            </a:r>
+            <a:endParaRPr lang="pl-PL" dirty="0"/>
+          </a:p>
+        </p:txBody>
+      </p:sp>
+      <p:sp>
+        <p:nvSpPr>
+          <p:cNvPr id="9" name="Text Placeholder 8">
+            <a:extLst>
+              <a:ext uri="{FF2B5EF4-FFF2-40B4-BE49-F238E27FC236}">
+                <a16:creationId xmlns:a16="http://schemas.microsoft.com/office/drawing/2014/main" id="{03329FFE-6941-45F0-83D9-1F51B3285899}"/>
+              </a:ext>
+            </a:extLst>
+          </p:cNvPr>
+          <p:cNvSpPr>
+            <a:spLocks noGrp="1"/>
+          </p:cNvSpPr>
+          <p:nvPr>
+            <p:ph type="body" idx="1"/>
+          </p:nvPr>
+        </p:nvSpPr>
+        <p:spPr/>
+        <p:txBody>
+          <a:bodyPr/>
+          <a:lstStyle/>
+          <a:p>
+            <a:r>
+              <a:rPr lang="pl-PL" dirty="0" err="1"/>
+              <a:t>Electronic</a:t>
+            </a:r>
+            <a:r>
+              <a:rPr lang="pl-PL" dirty="0"/>
+              <a:t> </a:t>
+            </a:r>
+            <a:r>
+              <a:rPr lang="pl-PL" dirty="0" err="1"/>
+              <a:t>components</a:t>
+            </a:r>
+            <a:endParaRPr lang="pl-PL" dirty="0"/>
+          </a:p>
+        </p:txBody>
+      </p:sp>
+      <p:sp>
+        <p:nvSpPr>
+          <p:cNvPr id="3" name="Content Placeholder 2">
+            <a:extLst>
+              <a:ext uri="{FF2B5EF4-FFF2-40B4-BE49-F238E27FC236}">
+                <a16:creationId xmlns:a16="http://schemas.microsoft.com/office/drawing/2014/main" id="{3B5FF1AF-5103-42A7-A48D-C693E33AE4C3}"/>
+              </a:ext>
+            </a:extLst>
+          </p:cNvPr>
+          <p:cNvSpPr>
+            <a:spLocks noGrp="1"/>
+          </p:cNvSpPr>
+          <p:nvPr>
+            <p:ph sz="half" idx="2"/>
+          </p:nvPr>
+        </p:nvSpPr>
+        <p:spPr/>
+        <p:txBody>
+          <a:bodyPr/>
+          <a:lstStyle/>
+          <a:p>
+            <a:r>
+              <a:rPr lang="pl-PL" dirty="0" err="1"/>
+              <a:t>uC</a:t>
+            </a:r>
+            <a:r>
+              <a:rPr lang="pl-PL" dirty="0"/>
+              <a:t> - ATMEGA32</a:t>
+            </a:r>
+          </a:p>
+          <a:p>
+            <a:r>
+              <a:rPr lang="pl-PL" dirty="0" err="1"/>
+              <a:t>Thermometer</a:t>
+            </a:r>
+            <a:r>
+              <a:rPr lang="pl-PL" dirty="0"/>
+              <a:t> - DS1621+</a:t>
+            </a:r>
+          </a:p>
+          <a:p>
+            <a:r>
+              <a:rPr lang="pl-PL" dirty="0" err="1"/>
+              <a:t>Stepper</a:t>
+            </a:r>
+            <a:r>
+              <a:rPr lang="pl-PL" dirty="0"/>
+              <a:t> Motor - L297 + L298</a:t>
+            </a:r>
+          </a:p>
+          <a:p>
+            <a:r>
+              <a:rPr lang="pl-PL" dirty="0"/>
+              <a:t>OLED - SSD1306</a:t>
+            </a:r>
+          </a:p>
+          <a:p>
+            <a:r>
+              <a:rPr lang="pl-PL" dirty="0"/>
+              <a:t>5V </a:t>
+            </a:r>
+            <a:r>
+              <a:rPr lang="pl-PL" dirty="0" err="1"/>
+              <a:t>input</a:t>
+            </a:r>
+            <a:r>
+              <a:rPr lang="pl-PL" dirty="0"/>
+              <a:t> - LM2596</a:t>
+            </a:r>
+          </a:p>
+          <a:p>
+            <a:r>
+              <a:rPr lang="pl-PL" dirty="0" err="1"/>
+              <a:t>Shottky</a:t>
+            </a:r>
+            <a:r>
+              <a:rPr lang="pl-PL" dirty="0"/>
+              <a:t> </a:t>
+            </a:r>
+            <a:r>
+              <a:rPr lang="pl-PL" dirty="0" err="1"/>
+              <a:t>diodes</a:t>
+            </a:r>
+            <a:r>
+              <a:rPr lang="pl-PL" dirty="0"/>
+              <a:t> - 1N5822 </a:t>
+            </a:r>
+          </a:p>
+          <a:p>
+            <a:r>
+              <a:rPr lang="pl-PL" dirty="0" err="1"/>
+              <a:t>Transistors</a:t>
+            </a:r>
+            <a:r>
+              <a:rPr lang="pl-PL" dirty="0"/>
+              <a:t> NPN – BC639</a:t>
+            </a:r>
+          </a:p>
+          <a:p>
+            <a:r>
+              <a:rPr lang="pl-PL" dirty="0" err="1"/>
+              <a:t>LEDs</a:t>
+            </a:r>
+            <a:r>
+              <a:rPr lang="pl-PL" dirty="0"/>
+              <a:t> – 5mm</a:t>
+            </a:r>
+          </a:p>
+          <a:p>
+            <a:r>
+              <a:rPr lang="pl-PL" dirty="0" err="1"/>
+              <a:t>External</a:t>
+            </a:r>
+            <a:r>
+              <a:rPr lang="pl-PL" dirty="0"/>
+              <a:t> 12V/2A – </a:t>
+            </a:r>
+            <a:r>
+              <a:rPr lang="pl-PL" dirty="0" err="1"/>
+              <a:t>power</a:t>
+            </a:r>
+            <a:r>
+              <a:rPr lang="pl-PL" dirty="0"/>
+              <a:t> with </a:t>
+            </a:r>
+            <a:r>
+              <a:rPr lang="pl-PL" dirty="0" err="1"/>
+              <a:t>fuse</a:t>
+            </a:r>
+            <a:endParaRPr lang="pl-PL" dirty="0"/>
+          </a:p>
+        </p:txBody>
+      </p:sp>
+      <p:sp>
+        <p:nvSpPr>
+          <p:cNvPr id="10" name="Text Placeholder 9">
+            <a:extLst>
+              <a:ext uri="{FF2B5EF4-FFF2-40B4-BE49-F238E27FC236}">
+                <a16:creationId xmlns:a16="http://schemas.microsoft.com/office/drawing/2014/main" id="{B83A4024-C2C4-4455-8F62-1150F5CA0F3D}"/>
+              </a:ext>
+            </a:extLst>
+          </p:cNvPr>
+          <p:cNvSpPr>
+            <a:spLocks noGrp="1"/>
+          </p:cNvSpPr>
+          <p:nvPr>
+            <p:ph type="body" sz="quarter" idx="3"/>
+          </p:nvPr>
+        </p:nvSpPr>
+        <p:spPr/>
+        <p:txBody>
+          <a:bodyPr/>
+          <a:lstStyle/>
+          <a:p>
+            <a:r>
+              <a:rPr lang="pl-PL" dirty="0"/>
+              <a:t>System </a:t>
+            </a:r>
+            <a:r>
+              <a:rPr lang="pl-PL" dirty="0" err="1"/>
+              <a:t>outputs</a:t>
+            </a:r>
+            <a:endParaRPr lang="pl-PL" dirty="0"/>
+          </a:p>
+        </p:txBody>
+      </p:sp>
+      <p:sp>
+        <p:nvSpPr>
+          <p:cNvPr id="11" name="Content Placeholder 10">
+            <a:extLst>
+              <a:ext uri="{FF2B5EF4-FFF2-40B4-BE49-F238E27FC236}">
+                <a16:creationId xmlns:a16="http://schemas.microsoft.com/office/drawing/2014/main" id="{9BCD0A37-E550-489C-95A3-48729CAAB52A}"/>
+              </a:ext>
+            </a:extLst>
+          </p:cNvPr>
+          <p:cNvSpPr>
+            <a:spLocks noGrp="1"/>
+          </p:cNvSpPr>
+          <p:nvPr>
+            <p:ph sz="quarter" idx="4"/>
+          </p:nvPr>
+        </p:nvSpPr>
+        <p:spPr/>
+        <p:txBody>
+          <a:bodyPr/>
+          <a:lstStyle/>
+          <a:p>
+            <a:r>
+              <a:rPr lang="pl-PL" dirty="0" err="1"/>
+              <a:t>Water</a:t>
+            </a:r>
+            <a:r>
+              <a:rPr lang="pl-PL" dirty="0"/>
+              <a:t> pump 12V/0.3A</a:t>
+            </a:r>
+          </a:p>
+          <a:p>
+            <a:r>
+              <a:rPr lang="pl-PL" dirty="0" err="1"/>
+              <a:t>Stepper</a:t>
+            </a:r>
+            <a:r>
+              <a:rPr lang="pl-PL" dirty="0"/>
+              <a:t> motor  </a:t>
+            </a:r>
+            <a:r>
+              <a:rPr lang="pl-PL" dirty="0" err="1"/>
+              <a:t>bipolar</a:t>
+            </a:r>
+            <a:r>
+              <a:rPr lang="pl-PL" dirty="0"/>
+              <a:t>, 12V/0.4A,  0.25Nm</a:t>
+            </a:r>
+          </a:p>
+          <a:p>
+            <a:r>
+              <a:rPr lang="pl-PL" dirty="0"/>
+              <a:t>Fan 12V/0.3A</a:t>
+            </a:r>
+          </a:p>
+          <a:p>
+            <a:r>
+              <a:rPr lang="pl-PL" dirty="0"/>
+              <a:t>KANDA – </a:t>
+            </a:r>
+            <a:r>
+              <a:rPr lang="pl-PL" dirty="0" err="1"/>
+              <a:t>programming</a:t>
+            </a:r>
+            <a:r>
+              <a:rPr lang="pl-PL" dirty="0"/>
+              <a:t> in ISP</a:t>
+            </a:r>
+          </a:p>
+          <a:p>
+            <a:r>
+              <a:rPr lang="pl-PL" dirty="0" err="1"/>
+              <a:t>LEDs</a:t>
+            </a:r>
+            <a:r>
+              <a:rPr lang="pl-PL" dirty="0"/>
+              <a:t> for </a:t>
+            </a:r>
+            <a:r>
+              <a:rPr lang="pl-PL" dirty="0" err="1"/>
+              <a:t>each</a:t>
+            </a:r>
+            <a:r>
+              <a:rPr lang="pl-PL" dirty="0"/>
+              <a:t> </a:t>
+            </a:r>
+            <a:r>
+              <a:rPr lang="pl-PL" dirty="0" err="1"/>
+              <a:t>output</a:t>
+            </a:r>
+            <a:r>
+              <a:rPr lang="pl-PL" dirty="0"/>
+              <a:t> + </a:t>
+            </a:r>
+            <a:r>
+              <a:rPr lang="pl-PL" dirty="0" err="1"/>
+              <a:t>debug</a:t>
+            </a:r>
+            <a:r>
+              <a:rPr lang="pl-PL" dirty="0"/>
+              <a:t> </a:t>
+            </a:r>
+            <a:r>
+              <a:rPr lang="pl-PL" dirty="0" err="1"/>
+              <a:t>led</a:t>
+            </a:r>
+            <a:r>
+              <a:rPr lang="pl-PL" dirty="0"/>
+              <a:t> </a:t>
+            </a:r>
+            <a:r>
+              <a:rPr lang="pl-PL" dirty="0" err="1"/>
+              <a:t>called</a:t>
+            </a:r>
+            <a:r>
+              <a:rPr lang="pl-PL" dirty="0"/>
+              <a:t> CTRL_LED</a:t>
+            </a:r>
+          </a:p>
+          <a:p>
+            <a:endParaRPr lang="pl-PL" dirty="0"/>
+          </a:p>
+          <a:p>
+            <a:endParaRPr lang="pl-PL" dirty="0"/>
+          </a:p>
+        </p:txBody>
+      </p:sp>
+    </p:spTree>
+    <p:extLst>
+      <p:ext uri="{BB962C8B-B14F-4D97-AF65-F5344CB8AC3E}">
+        <p14:creationId xmlns:p14="http://schemas.microsoft.com/office/powerpoint/2010/main" val="3082961057"/>
+      </p:ext>
+    </p:extLst>
+  </p:cSld>
+  <p:clrMapOvr>
+    <a:masterClrMapping/>
+  </p:clrMapOvr>
+</p:sld>
+</file>
+
+<file path=ppt/slides/slide4.xml><?xml version="1.0" encoding="utf-8"?>
+<p:sld xmlns:a="http://schemas.openxmlformats.org/drawingml/2006/main" xmlns:r="http://schemas.openxmlformats.org/officeDocument/2006/relationships" xmlns:p="http://schemas.openxmlformats.org/presentationml/2006/main">
+  <p:cSld>
+    <p:spTree>
+      <p:nvGrpSpPr>
+        <p:cNvPr id="1" name=""/>
+        <p:cNvGrpSpPr/>
+        <p:nvPr/>
+      </p:nvGrpSpPr>
+      <p:grpSpPr>
+        <a:xfrm>
+          <a:off x="0" y="0"/>
+          <a:ext cx="0" cy="0"/>
+          <a:chOff x="0" y="0"/>
+          <a:chExt cx="0" cy="0"/>
+        </a:xfrm>
+      </p:grpSpPr>
+      <p:sp>
+        <p:nvSpPr>
+          <p:cNvPr id="2" name="Title 1">
+            <a:extLst>
+              <a:ext uri="{FF2B5EF4-FFF2-40B4-BE49-F238E27FC236}">
+                <a16:creationId xmlns:a16="http://schemas.microsoft.com/office/drawing/2014/main" id="{35EC4384-7319-4308-A3F2-B69513F944EB}"/>
+              </a:ext>
+            </a:extLst>
+          </p:cNvPr>
+          <p:cNvSpPr>
+            <a:spLocks noGrp="1"/>
+          </p:cNvSpPr>
+          <p:nvPr>
+            <p:ph type="title"/>
+          </p:nvPr>
+        </p:nvSpPr>
+        <p:spPr>
+          <a:xfrm>
+            <a:off x="646111" y="452718"/>
+            <a:ext cx="9404723" cy="545658"/>
+          </a:xfrm>
+        </p:spPr>
+        <p:txBody>
+          <a:bodyPr/>
+          <a:lstStyle/>
+          <a:p>
+            <a:r>
+              <a:rPr lang="pl-PL" dirty="0" err="1"/>
+              <a:t>Electronic</a:t>
+            </a:r>
+            <a:r>
+              <a:rPr lang="pl-PL" dirty="0"/>
+              <a:t> </a:t>
+            </a:r>
+            <a:r>
+              <a:rPr lang="pl-PL" dirty="0" err="1"/>
+              <a:t>scheme</a:t>
+            </a:r>
+            <a:endParaRPr lang="pl-PL" dirty="0"/>
+          </a:p>
+        </p:txBody>
+      </p:sp>
+      <p:pic>
+        <p:nvPicPr>
+          <p:cNvPr id="10" name="Content Placeholder 9">
+            <a:extLst>
+              <a:ext uri="{FF2B5EF4-FFF2-40B4-BE49-F238E27FC236}">
+                <a16:creationId xmlns:a16="http://schemas.microsoft.com/office/drawing/2014/main" id="{3CF32C98-C62C-460F-861E-5A2014427153}"/>
+              </a:ext>
+            </a:extLst>
+          </p:cNvPr>
+          <p:cNvPicPr>
+            <a:picLocks noGrp="1" noChangeAspect="1"/>
+          </p:cNvPicPr>
+          <p:nvPr>
+            <p:ph sz="half" idx="2"/>
+          </p:nvPr>
+        </p:nvPicPr>
+        <p:blipFill>
+          <a:blip r:embed="rId2">
+            <a:extLst>
+              <a:ext uri="{28A0092B-C50C-407E-A947-70E740481C1C}">
+                <a14:useLocalDpi xmlns:a14="http://schemas.microsoft.com/office/drawing/2010/main" val="0"/>
+              </a:ext>
+            </a:extLst>
+          </a:blip>
+          <a:stretch>
+            <a:fillRect/>
+          </a:stretch>
+        </p:blipFill>
+        <p:spPr>
+          <a:xfrm>
+            <a:off x="1655799" y="1274281"/>
+            <a:ext cx="8395036" cy="5278535"/>
+          </a:xfrm>
+        </p:spPr>
+      </p:pic>
+    </p:spTree>
+    <p:extLst>
+      <p:ext uri="{BB962C8B-B14F-4D97-AF65-F5344CB8AC3E}">
+        <p14:creationId xmlns:p14="http://schemas.microsoft.com/office/powerpoint/2010/main" val="2881330546"/>
+      </p:ext>
+    </p:extLst>
+  </p:cSld>
+  <p:clrMapOvr>
+    <a:masterClrMapping/>
+  </p:clrMapOvr>
+</p:sld>
+</file>
+
+<file path=ppt/slides/slide5.xml><?xml version="1.0" encoding="utf-8"?>
+<p:sld xmlns:a="http://schemas.openxmlformats.org/drawingml/2006/main" xmlns:r="http://schemas.openxmlformats.org/officeDocument/2006/relationships" xmlns:p="http://schemas.openxmlformats.org/presentationml/2006/main">
+  <p:cSld>
+    <p:spTree>
+      <p:nvGrpSpPr>
+        <p:cNvPr id="1" name=""/>
+        <p:cNvGrpSpPr/>
+        <p:nvPr/>
+      </p:nvGrpSpPr>
+      <p:grpSpPr>
+        <a:xfrm>
+          <a:off x="0" y="0"/>
+          <a:ext cx="0" cy="0"/>
+          <a:chOff x="0" y="0"/>
+          <a:chExt cx="0" cy="0"/>
+        </a:xfrm>
+      </p:grpSpPr>
+      <p:sp>
+        <p:nvSpPr>
+          <p:cNvPr id="2" name="Title 1">
+            <a:extLst>
+              <a:ext uri="{FF2B5EF4-FFF2-40B4-BE49-F238E27FC236}">
+                <a16:creationId xmlns:a16="http://schemas.microsoft.com/office/drawing/2014/main" id="{9578FAE2-9ACD-4082-95B8-970D6CC6B232}"/>
+              </a:ext>
+            </a:extLst>
+          </p:cNvPr>
+          <p:cNvSpPr>
+            <a:spLocks noGrp="1"/>
+          </p:cNvSpPr>
+          <p:nvPr>
+            <p:ph type="title"/>
+          </p:nvPr>
+        </p:nvSpPr>
+        <p:spPr/>
+        <p:txBody>
+          <a:bodyPr/>
+          <a:lstStyle/>
+          <a:p>
+            <a:r>
+              <a:rPr lang="pl-PL" dirty="0"/>
+              <a:t>PCB design</a:t>
+            </a:r>
+          </a:p>
+        </p:txBody>
+      </p:sp>
+      <p:pic>
+        <p:nvPicPr>
+          <p:cNvPr id="8" name="Picture 7">
+            <a:extLst>
+              <a:ext uri="{FF2B5EF4-FFF2-40B4-BE49-F238E27FC236}">
+                <a16:creationId xmlns:a16="http://schemas.microsoft.com/office/drawing/2014/main" id="{E2BF2759-686A-4374-B973-38BB7F5FBDFF}"/>
+              </a:ext>
+            </a:extLst>
+          </p:cNvPr>
+          <p:cNvPicPr>
+            <a:picLocks noChangeAspect="1"/>
+          </p:cNvPicPr>
+          <p:nvPr/>
+        </p:nvPicPr>
+        <p:blipFill>
+          <a:blip r:embed="rId2">
+            <a:extLst>
+              <a:ext uri="{28A0092B-C50C-407E-A947-70E740481C1C}">
+                <a14:useLocalDpi xmlns:a14="http://schemas.microsoft.com/office/drawing/2010/main" val="0"/>
+              </a:ext>
+            </a:extLst>
+          </a:blip>
+          <a:stretch>
+            <a:fillRect/>
+          </a:stretch>
+        </p:blipFill>
+        <p:spPr>
+          <a:xfrm>
+            <a:off x="2141166" y="1152983"/>
+            <a:ext cx="7625781" cy="5353293"/>
+          </a:xfrm>
+          <a:prstGeom prst="rect">
+            <a:avLst/>
+          </a:prstGeom>
+        </p:spPr>
+      </p:pic>
+    </p:spTree>
+    <p:extLst>
+      <p:ext uri="{BB962C8B-B14F-4D97-AF65-F5344CB8AC3E}">
+        <p14:creationId xmlns:p14="http://schemas.microsoft.com/office/powerpoint/2010/main" val="2791825238"/>
+      </p:ext>
+    </p:extLst>
+  </p:cSld>
+  <p:clrMapOvr>
+    <a:masterClrMapping/>
+  </p:clrMapOvr>
+</p:sld>
+</file>
+
+<file path=ppt/slides/slide6.xml><?xml version="1.0" encoding="utf-8"?>
+<p:sld xmlns:a="http://schemas.openxmlformats.org/drawingml/2006/main" xmlns:r="http://schemas.openxmlformats.org/officeDocument/2006/relationships" xmlns:p="http://schemas.openxmlformats.org/presentationml/2006/main">
+  <p:cSld>
+    <p:spTree>
+      <p:nvGrpSpPr>
+        <p:cNvPr id="1" name=""/>
+        <p:cNvGrpSpPr/>
+        <p:nvPr/>
+      </p:nvGrpSpPr>
+      <p:grpSpPr>
+        <a:xfrm>
+          <a:off x="0" y="0"/>
+          <a:ext cx="0" cy="0"/>
+          <a:chOff x="0" y="0"/>
+          <a:chExt cx="0" cy="0"/>
+        </a:xfrm>
+      </p:grpSpPr>
+      <p:sp>
+        <p:nvSpPr>
+          <p:cNvPr id="2" name="Title 1">
+            <a:extLst>
+              <a:ext uri="{FF2B5EF4-FFF2-40B4-BE49-F238E27FC236}">
+                <a16:creationId xmlns:a16="http://schemas.microsoft.com/office/drawing/2014/main" id="{469936D3-3311-4A6E-AD1C-1B7F0333D00A}"/>
+              </a:ext>
+            </a:extLst>
+          </p:cNvPr>
+          <p:cNvSpPr>
+            <a:spLocks noGrp="1"/>
+          </p:cNvSpPr>
+          <p:nvPr>
+            <p:ph type="title"/>
+          </p:nvPr>
+        </p:nvSpPr>
+        <p:spPr/>
+        <p:txBody>
+          <a:bodyPr/>
+          <a:lstStyle/>
+          <a:p>
+            <a:pPr algn="ctr"/>
+            <a:r>
+              <a:rPr lang="pl-PL" dirty="0" err="1"/>
+              <a:t>Thanks</a:t>
+            </a:r>
+            <a:r>
+              <a:rPr lang="pl-PL" dirty="0"/>
+              <a:t> for the </a:t>
+            </a:r>
+            <a:r>
+              <a:rPr lang="pl-PL" dirty="0" err="1"/>
+              <a:t>attention</a:t>
+            </a:r>
+            <a:r>
+              <a:rPr lang="pl-PL" dirty="0"/>
+              <a:t>!</a:t>
+            </a:r>
+          </a:p>
+        </p:txBody>
+      </p:sp>
+      <p:sp>
+        <p:nvSpPr>
+          <p:cNvPr id="4" name="Content Placeholder 3">
+            <a:extLst>
+              <a:ext uri="{FF2B5EF4-FFF2-40B4-BE49-F238E27FC236}">
+                <a16:creationId xmlns:a16="http://schemas.microsoft.com/office/drawing/2014/main" id="{2E9A572F-1709-4A01-A9FC-616CE3476E09}"/>
+              </a:ext>
+            </a:extLst>
+          </p:cNvPr>
+          <p:cNvSpPr>
+            <a:spLocks noGrp="1"/>
+          </p:cNvSpPr>
+          <p:nvPr>
+            <p:ph sz="half" idx="2"/>
+          </p:nvPr>
+        </p:nvSpPr>
+        <p:spPr>
+          <a:xfrm>
+            <a:off x="1103312" y="2514600"/>
+            <a:ext cx="9990786" cy="3890682"/>
+          </a:xfrm>
+        </p:spPr>
+        <p:txBody>
+          <a:bodyPr/>
+          <a:lstStyle/>
+          <a:p>
+            <a:r>
+              <a:rPr lang="pl-PL" dirty="0" err="1"/>
+              <a:t>Created</a:t>
+            </a:r>
+            <a:r>
+              <a:rPr lang="pl-PL" dirty="0"/>
+              <a:t> by:</a:t>
+            </a:r>
+          </a:p>
+          <a:p>
+            <a:r>
+              <a:rPr lang="pl-PL" dirty="0"/>
+              <a:t>Damian Pozimski</a:t>
+            </a:r>
+          </a:p>
+        </p:txBody>
+      </p:sp>
+    </p:spTree>
+    <p:extLst>
+      <p:ext uri="{BB962C8B-B14F-4D97-AF65-F5344CB8AC3E}">
+        <p14:creationId xmlns:p14="http://schemas.microsoft.com/office/powerpoint/2010/main" val="964736216"/>
       </p:ext>
     </p:extLst>
   </p:cSld>
